--- a/Project/Docs/Grimes _ENGI301_project_proposal.pptx
+++ b/Project/Docs/Grimes _ENGI301_project_proposal.pptx
@@ -219,7 +219,7 @@
           <a:p>
             <a:fld id="{59041DB8-B66F-4DC8-A96E-33677E0F90FF}" type="datetimeFigureOut">
               <a:rPr lang="en-US" smtClean="0"/>
-              <a:t>10/18/2018</a:t>
+              <a:t>10/19/2018</a:t>
             </a:fld>
             <a:endParaRPr lang="en-US"/>
           </a:p>
